--- a/output.pptx
+++ b/output.pptx
@@ -1574,7 +1574,7 @@
               <a:defRPr sz="6000" b="1"/>
             </a:pPr>
             <a:r>
-              <a:t>Data Analytics</a:t>
+              <a:t>Lot Language Model</a:t>
             </a:r>
           </a:p>
         </p:txBody>
@@ -1623,7 +1623,7 @@
               <a:defRPr sz="3200" b="1"/>
             </a:pPr>
             <a:r>
-              <a:t>Importance of Data Analytics</a:t>
+              <a:t>Architecture</a:t>
             </a:r>
           </a:p>
         </p:txBody>
@@ -1657,7 +1657,7 @@
               <a:defRPr sz="2000"/>
             </a:pPr>
             <a:r>
-              <a:t>Data analytics helps organizations make informed decisions by providing insights into customer behavior, market trends, and operational efficiency.</a:t>
+              <a:t>The Lot Language Model is based on a transformer architecture, which consists of an encoder and a decoder.</a:t>
             </a:r>
           </a:p>
           <a:p>
@@ -1668,7 +1668,7 @@
               <a:defRPr sz="2000"/>
             </a:pPr>
             <a:r>
-              <a:t>It enables businesses to identify areas of improvement, optimize processes, and develop data-driven strategies.</a:t>
+              <a:t>The encoder takes in a sequence of input tokens and generates a continuous representation of the input text.</a:t>
             </a:r>
           </a:p>
           <a:p>
@@ -1679,35 +1679,11 @@
               <a:defRPr sz="2000"/>
             </a:pPr>
             <a:r>
-              <a:t>Data analytics also helps organizations stay competitive by providing a competitive edge in the market.</a:t>
-            </a:r>
-          </a:p>
-        </p:txBody>
-      </p:sp>
-      <p:pic>
-        <p:nvPicPr>
-          <p:cNvPr id="4" name="Picture 3" descr="image.png"/>
-          <p:cNvPicPr>
-            <a:picLocks noChangeAspect="1"/>
-          </p:cNvPicPr>
-          <p:nvPr/>
-        </p:nvPicPr>
-        <p:blipFill>
-          <a:blip r:embed="rId2"/>
-          <a:stretch>
-            <a:fillRect/>
-          </a:stretch>
-        </p:blipFill>
-        <p:spPr>
-          <a:xfrm>
-            <a:off x="6583680" y="1097280"/>
-            <a:ext cx="5303520" cy="5303520"/>
-          </a:xfrm>
-          <a:prstGeom prst="rect">
-            <a:avLst/>
-          </a:prstGeom>
-        </p:spPr>
-      </p:pic>
+              <a:t>The decoder generates the output sequence one token at a time, conditioned on the input sequence and the previous tokens in the output sequence.</a:t>
+            </a:r>
+          </a:p>
+        </p:txBody>
+      </p:sp>
     </p:spTree>
   </p:cSld>
   <p:clrMapOvr>
@@ -1752,7 +1728,7 @@
               <a:defRPr sz="3200" b="1"/>
             </a:pPr>
             <a:r>
-              <a:t>Types of Data Analytics</a:t>
+              <a:t>Training</a:t>
             </a:r>
           </a:p>
         </p:txBody>
@@ -1786,7 +1762,7 @@
               <a:defRPr sz="2000"/>
             </a:pPr>
             <a:r>
-              <a:t>Descriptive analytics provides historical data and insights into what has happened, while predictive analytics uses statistical models to forecast future outcomes.</a:t>
+              <a:t>The Lot Language Model is trained using a masked language modeling objective, where some tokens in the input sequence are randomly replaced with a [MASK] token.</a:t>
             </a:r>
           </a:p>
           <a:p>
@@ -1797,7 +1773,7 @@
               <a:defRPr sz="2000"/>
             </a:pPr>
             <a:r>
-              <a:t>Prescriptive analytics takes it a step further by providing recommendations on what actions to take based on the data analysis.</a:t>
+              <a:t>The model is trained to predict the original token that was replaced with the [MASK] token.</a:t>
             </a:r>
           </a:p>
           <a:p>
@@ -1808,7 +1784,7 @@
               <a:defRPr sz="2000"/>
             </a:pPr>
             <a:r>
-              <a:t>Big data analytics involves analyzing large datasets to uncover hidden patterns and trends.</a:t>
+              <a:t>The training process involves optimizing the model's parameters to minimize the difference between the predicted token and the original token.</a:t>
             </a:r>
           </a:p>
         </p:txBody>
@@ -1881,7 +1857,7 @@
               <a:defRPr sz="3200" b="1"/>
             </a:pPr>
             <a:r>
-              <a:t>Data Analytics Tools</a:t>
+              <a:t>Applications</a:t>
             </a:r>
           </a:p>
         </p:txBody>
@@ -1915,7 +1891,7 @@
               <a:defRPr sz="2000"/>
             </a:pPr>
             <a:r>
-              <a:t>Microsoft Power BI is a popular business analytics service that provides interactive visualizations and business intelligence capabilities.</a:t>
+              <a:t>The Lot Language Model can be used for a variety of natural language processing tasks, including language translation, text summarization, and question answering.</a:t>
             </a:r>
           </a:p>
           <a:p>
@@ -1926,7 +1902,7 @@
               <a:defRPr sz="2000"/>
             </a:pPr>
             <a:r>
-              <a:t>Tableau is another widely used data analytics tool that enables users to connect to various data sources and create interactive dashboards.</a:t>
+              <a:t>The model can also be used for text generation tasks, such as generating product descriptions or chatbot responses.</a:t>
             </a:r>
           </a:p>
           <a:p>
@@ -1937,14 +1913,14 @@
               <a:defRPr sz="2000"/>
             </a:pPr>
             <a:r>
-              <a:t>Google Data Studio is a free tool that allows users to create interactive, web-based data visualizations and reports.</a:t>
+              <a:t>The model can be fine-tuned for specific tasks and domains, allowing it to adapt to different use cases and applications.</a:t>
             </a:r>
           </a:p>
         </p:txBody>
       </p:sp>
       <p:pic>
         <p:nvPicPr>
-          <p:cNvPr id="4" name="Picture 3" descr="image.png"/>
+          <p:cNvPr id="4" name="Picture 3" descr="image.jpg"/>
           <p:cNvPicPr>
             <a:picLocks noChangeAspect="1"/>
           </p:cNvPicPr>
@@ -2010,7 +1986,7 @@
               <a:defRPr sz="3200" b="1"/>
             </a:pPr>
             <a:r>
-              <a:t>Data Analytics Techniques</a:t>
+              <a:t>Advantages</a:t>
             </a:r>
           </a:p>
         </p:txBody>
@@ -2044,7 +2020,7 @@
               <a:defRPr sz="2000"/>
             </a:pPr>
             <a:r>
-              <a:t>Regression analysis is a statistical method used to establish a relationship between variables and predict outcomes.</a:t>
+              <a:t>The Lot Language Model has several advantages over other language models, including its ability to generate coherent and context-specific text.</a:t>
             </a:r>
           </a:p>
           <a:p>
@@ -2055,7 +2031,7 @@
               <a:defRPr sz="2000"/>
             </a:pPr>
             <a:r>
-              <a:t>Decision trees are a type of machine learning algorithm used to classify data and make predictions.</a:t>
+              <a:t>The model is also highly flexible and can be fine-tuned for a wide range of tasks and domains.</a:t>
             </a:r>
           </a:p>
           <a:p>
@@ -2066,14 +2042,14 @@
               <a:defRPr sz="2000"/>
             </a:pPr>
             <a:r>
-              <a:t>Clustering analysis involves grouping similar data points together to identify patterns and trends.</a:t>
+              <a:t>The model's architecture allows it to handle long-range dependencies and complex relationships between tokens.</a:t>
             </a:r>
           </a:p>
         </p:txBody>
       </p:sp>
       <p:pic>
         <p:nvPicPr>
-          <p:cNvPr id="4" name="Picture 3" descr="image.png"/>
+          <p:cNvPr id="4" name="Picture 3" descr="image.jpg"/>
           <p:cNvPicPr>
             <a:picLocks noChangeAspect="1"/>
           </p:cNvPicPr>
@@ -2139,7 +2115,7 @@
               <a:defRPr sz="3200" b="1"/>
             </a:pPr>
             <a:r>
-              <a:t>Benefits of Data Analytics</a:t>
+              <a:t>Limitations</a:t>
             </a:r>
           </a:p>
         </p:txBody>
@@ -2173,7 +2149,7 @@
               <a:defRPr sz="2000"/>
             </a:pPr>
             <a:r>
-              <a:t>Data analytics helps organizations reduce costs, improve efficiency, and increase revenue.</a:t>
+              <a:t>The Lot Language Model has several limitations, including its reliance on large amounts of training data and computational resources.</a:t>
             </a:r>
           </a:p>
           <a:p>
@@ -2184,7 +2160,7 @@
               <a:defRPr sz="2000"/>
             </a:pPr>
             <a:r>
-              <a:t>It enables businesses to make data-driven decisions, reducing the risk of human error and bias.</a:t>
+              <a:t>The model can also be prone to overfitting and requires careful tuning of hyperparameters to achieve good performance.</a:t>
             </a:r>
           </a:p>
           <a:p>
@@ -2195,7 +2171,7 @@
               <a:defRPr sz="2000"/>
             </a:pPr>
             <a:r>
-              <a:t>Data analytics also helps organizations improve customer satisfaction and loyalty by providing insights into customer behavior.</a:t>
+              <a:t>The model's performance can also be affected by the quality of the input data and the specific task or domain being targeted.</a:t>
             </a:r>
           </a:p>
         </p:txBody>
@@ -2268,7 +2244,7 @@
               <a:defRPr sz="3200" b="1"/>
             </a:pPr>
             <a:r>
-              <a:t>Challenges of Data Analytics</a:t>
+              <a:t>Comparison</a:t>
             </a:r>
           </a:p>
         </p:txBody>
@@ -2302,7 +2278,7 @@
               <a:defRPr sz="2000"/>
             </a:pPr>
             <a:r>
-              <a:t>Data quality and accuracy are major challenges in data analytics, as poor data can lead to incorrect insights and decisions.</a:t>
+              <a:t>The Lot Language Model can be compared to other language models, such as BERT and RoBERTa, which also use transformer architectures and masked language modeling objectives.</a:t>
             </a:r>
           </a:p>
           <a:p>
@@ -2313,7 +2289,7 @@
               <a:defRPr sz="2000"/>
             </a:pPr>
             <a:r>
-              <a:t>Data analytics requires significant technical expertise, including programming skills and knowledge of statistical models.</a:t>
+              <a:t>However, the Lot Language Model has several key differences, including its use of a different architecture and training objective.</a:t>
             </a:r>
           </a:p>
           <a:p>
@@ -2324,14 +2300,14 @@
               <a:defRPr sz="2000"/>
             </a:pPr>
             <a:r>
-              <a:t>Data analytics also requires significant investment in infrastructure, including data storage and processing capabilities.</a:t>
+              <a:t>The model's performance can also be compared to other models on specific tasks and domains, allowing for a more detailed evaluation of its strengths and weaknesses.</a:t>
             </a:r>
           </a:p>
         </p:txBody>
       </p:sp>
       <p:pic>
         <p:nvPicPr>
-          <p:cNvPr id="4" name="Picture 3" descr="image.png"/>
+          <p:cNvPr id="4" name="Picture 3" descr="image.jpg"/>
           <p:cNvPicPr>
             <a:picLocks noChangeAspect="1"/>
           </p:cNvPicPr>
@@ -2397,7 +2373,7 @@
               <a:defRPr sz="3200" b="1"/>
             </a:pPr>
             <a:r>
-              <a:t>Future of Data Analytics</a:t>
+              <a:t>Future Work</a:t>
             </a:r>
           </a:p>
         </p:txBody>
@@ -2431,7 +2407,7 @@
               <a:defRPr sz="2000"/>
             </a:pPr>
             <a:r>
-              <a:t>The future of data analytics is expected to be driven by advancements in artificial intelligence and machine learning.</a:t>
+              <a:t>Future work on the Lot Language Model could involve exploring new architectures and training objectives, such as using reinforcement learning or multi-task learning.</a:t>
             </a:r>
           </a:p>
           <a:p>
@@ -2442,7 +2418,7 @@
               <a:defRPr sz="2000"/>
             </a:pPr>
             <a:r>
-              <a:t>Data analytics will become more accessible and user-friendly, enabling non-technical users to create and analyze data visualizations.</a:t>
+              <a:t>The model could also be fine-tuned for specific tasks and domains, allowing it to adapt to different use cases and applications.</a:t>
             </a:r>
           </a:p>
           <a:p>
@@ -2453,7 +2429,7 @@
               <a:defRPr sz="2000"/>
             </a:pPr>
             <a:r>
-              <a:t>The use of data analytics will become more widespread across industries, including healthcare, finance, and education.</a:t>
+              <a:t>The model's performance could also be evaluated on a wider range of tasks and domains, allowing for a more comprehensive understanding of its strengths and weaknesses.</a:t>
             </a:r>
           </a:p>
         </p:txBody>

--- a/output.pptx
+++ b/output.pptx
@@ -1574,7 +1574,7 @@
               <a:defRPr sz="6000" b="1"/>
             </a:pPr>
             <a:r>
-              <a:t>Lot Language Model</a:t>
+              <a:t>Large Language Model</a:t>
             </a:r>
           </a:p>
         </p:txBody>
@@ -1623,7 +1623,7 @@
               <a:defRPr sz="3200" b="1"/>
             </a:pPr>
             <a:r>
-              <a:t>Architecture</a:t>
+              <a:t>What is a Large Language Model?</a:t>
             </a:r>
           </a:p>
         </p:txBody>
@@ -1657,7 +1657,7 @@
               <a:defRPr sz="2000"/>
             </a:pPr>
             <a:r>
-              <a:t>The Lot Language Model is based on a transformer architecture, which consists of an encoder and a decoder.</a:t>
+              <a:t>A large language model is a type of artificial intelligence (AI) that is trained on a massive dataset of text to generate human-like language.</a:t>
             </a:r>
           </a:p>
           <a:p>
@@ -1668,7 +1668,7 @@
               <a:defRPr sz="2000"/>
             </a:pPr>
             <a:r>
-              <a:t>The encoder takes in a sequence of input tokens and generates a continuous representation of the input text.</a:t>
+              <a:t>These models are designed to understand and generate text, and can be used for a variety of tasks such as language translation, text summarization, and chatbots.</a:t>
             </a:r>
           </a:p>
           <a:p>
@@ -1679,11 +1679,35 @@
               <a:defRPr sz="2000"/>
             </a:pPr>
             <a:r>
-              <a:t>The decoder generates the output sequence one token at a time, conditioned on the input sequence and the previous tokens in the output sequence.</a:t>
-            </a:r>
-          </a:p>
-        </p:txBody>
-      </p:sp>
+              <a:t>Large language models are typically trained on a large corpus of text data, which allows them to learn patterns and relationships in language.</a:t>
+            </a:r>
+          </a:p>
+        </p:txBody>
+      </p:sp>
+      <p:pic>
+        <p:nvPicPr>
+          <p:cNvPr id="4" name="Picture 3" descr="image.png"/>
+          <p:cNvPicPr>
+            <a:picLocks noChangeAspect="1"/>
+          </p:cNvPicPr>
+          <p:nvPr/>
+        </p:nvPicPr>
+        <p:blipFill>
+          <a:blip r:embed="rId2"/>
+          <a:stretch>
+            <a:fillRect/>
+          </a:stretch>
+        </p:blipFill>
+        <p:spPr>
+          <a:xfrm>
+            <a:off x="6583680" y="1097280"/>
+            <a:ext cx="5303520" cy="5303520"/>
+          </a:xfrm>
+          <a:prstGeom prst="rect">
+            <a:avLst/>
+          </a:prstGeom>
+        </p:spPr>
+      </p:pic>
     </p:spTree>
   </p:cSld>
   <p:clrMapOvr>
@@ -1728,7 +1752,7 @@
               <a:defRPr sz="3200" b="1"/>
             </a:pPr>
             <a:r>
-              <a:t>Training</a:t>
+              <a:t>Types of Large Language Models</a:t>
             </a:r>
           </a:p>
         </p:txBody>
@@ -1762,7 +1786,7 @@
               <a:defRPr sz="2000"/>
             </a:pPr>
             <a:r>
-              <a:t>The Lot Language Model is trained using a masked language modeling objective, where some tokens in the input sequence are randomly replaced with a [MASK] token.</a:t>
+              <a:t>There are several types of large language models, including transformer-based models, recurrent neural network (RNN) models, and hybrid models.</a:t>
             </a:r>
           </a:p>
           <a:p>
@@ -1773,7 +1797,7 @@
               <a:defRPr sz="2000"/>
             </a:pPr>
             <a:r>
-              <a:t>The model is trained to predict the original token that was replaced with the [MASK] token.</a:t>
+              <a:t>Transformer-based models are particularly popular due to their ability to handle long-range dependencies in language, making them well-suited for tasks such as language translation and text summarization.</a:t>
             </a:r>
           </a:p>
           <a:p>
@@ -1784,7 +1808,7 @@
               <a:defRPr sz="2000"/>
             </a:pPr>
             <a:r>
-              <a:t>The training process involves optimizing the model's parameters to minimize the difference between the predicted token and the original token.</a:t>
+              <a:t>Hybrid models combine the strengths of different architectures, such as the transformer and RNN models, to achieve better performance on a variety of tasks.</a:t>
             </a:r>
           </a:p>
         </p:txBody>
@@ -1857,7 +1881,7 @@
               <a:defRPr sz="3200" b="1"/>
             </a:pPr>
             <a:r>
-              <a:t>Applications</a:t>
+              <a:t>Applications of Large Language Models</a:t>
             </a:r>
           </a:p>
         </p:txBody>
@@ -1891,7 +1915,7 @@
               <a:defRPr sz="2000"/>
             </a:pPr>
             <a:r>
-              <a:t>The Lot Language Model can be used for a variety of natural language processing tasks, including language translation, text summarization, and question answering.</a:t>
+              <a:t>Large language models have a wide range of applications, including language translation, text summarization, chatbots, and content generation.</a:t>
             </a:r>
           </a:p>
           <a:p>
@@ -1902,7 +1926,7 @@
               <a:defRPr sz="2000"/>
             </a:pPr>
             <a:r>
-              <a:t>The model can also be used for text generation tasks, such as generating product descriptions or chatbot responses.</a:t>
+              <a:t>These models can be used to generate human-like text for a variety of purposes, such as creating product descriptions, social media posts, and articles.</a:t>
             </a:r>
           </a:p>
           <a:p>
@@ -1913,7 +1937,7 @@
               <a:defRPr sz="2000"/>
             </a:pPr>
             <a:r>
-              <a:t>The model can be fine-tuned for specific tasks and domains, allowing it to adapt to different use cases and applications.</a:t>
+              <a:t>Large language models can also be used to analyze and understand language patterns, which can be useful for tasks such as sentiment analysis and topic modeling.</a:t>
             </a:r>
           </a:p>
         </p:txBody>
@@ -1986,7 +2010,7 @@
               <a:defRPr sz="3200" b="1"/>
             </a:pPr>
             <a:r>
-              <a:t>Advantages</a:t>
+              <a:t>Advantages of Large Language Models</a:t>
             </a:r>
           </a:p>
         </p:txBody>
@@ -2020,7 +2044,7 @@
               <a:defRPr sz="2000"/>
             </a:pPr>
             <a:r>
-              <a:t>The Lot Language Model has several advantages over other language models, including its ability to generate coherent and context-specific text.</a:t>
+              <a:t>Large language models have several advantages, including their ability to understand and generate human-like language, and their ability to learn from large datasets.</a:t>
             </a:r>
           </a:p>
           <a:p>
@@ -2031,7 +2055,7 @@
               <a:defRPr sz="2000"/>
             </a:pPr>
             <a:r>
-              <a:t>The model is also highly flexible and can be fine-tuned for a wide range of tasks and domains.</a:t>
+              <a:t>These models can be used to automate a variety of tasks, such as language translation and text summarization, which can save time and increase efficiency.</a:t>
             </a:r>
           </a:p>
           <a:p>
@@ -2042,35 +2066,11 @@
               <a:defRPr sz="2000"/>
             </a:pPr>
             <a:r>
-              <a:t>The model's architecture allows it to handle long-range dependencies and complex relationships between tokens.</a:t>
-            </a:r>
-          </a:p>
-        </p:txBody>
-      </p:sp>
-      <p:pic>
-        <p:nvPicPr>
-          <p:cNvPr id="4" name="Picture 3" descr="image.jpg"/>
-          <p:cNvPicPr>
-            <a:picLocks noChangeAspect="1"/>
-          </p:cNvPicPr>
-          <p:nvPr/>
-        </p:nvPicPr>
-        <p:blipFill>
-          <a:blip r:embed="rId2"/>
-          <a:stretch>
-            <a:fillRect/>
-          </a:stretch>
-        </p:blipFill>
-        <p:spPr>
-          <a:xfrm>
-            <a:off x="6583680" y="1097280"/>
-            <a:ext cx="5303520" cy="5303520"/>
-          </a:xfrm>
-          <a:prstGeom prst="rect">
-            <a:avLst/>
-          </a:prstGeom>
-        </p:spPr>
-      </p:pic>
+              <a:t>Large language models can also be used to analyze and understand language patterns, which can be useful for tasks such as sentiment analysis and topic modeling.</a:t>
+            </a:r>
+          </a:p>
+        </p:txBody>
+      </p:sp>
     </p:spTree>
   </p:cSld>
   <p:clrMapOvr>
@@ -2115,7 +2115,7 @@
               <a:defRPr sz="3200" b="1"/>
             </a:pPr>
             <a:r>
-              <a:t>Limitations</a:t>
+              <a:t>Challenges of Large Language Models</a:t>
             </a:r>
           </a:p>
         </p:txBody>
@@ -2149,7 +2149,7 @@
               <a:defRPr sz="2000"/>
             </a:pPr>
             <a:r>
-              <a:t>The Lot Language Model has several limitations, including its reliance on large amounts of training data and computational resources.</a:t>
+              <a:t>One of the main challenges of large language models is their need for large amounts of training data, which can be difficult to obtain and process.</a:t>
             </a:r>
           </a:p>
           <a:p>
@@ -2160,7 +2160,7 @@
               <a:defRPr sz="2000"/>
             </a:pPr>
             <a:r>
-              <a:t>The model can also be prone to overfitting and requires careful tuning of hyperparameters to achieve good performance.</a:t>
+              <a:t>These models can also be prone to bias and errors, particularly if they are trained on biased or incomplete data.</a:t>
             </a:r>
           </a:p>
           <a:p>
@@ -2171,35 +2171,11 @@
               <a:defRPr sz="2000"/>
             </a:pPr>
             <a:r>
-              <a:t>The model's performance can also be affected by the quality of the input data and the specific task or domain being targeted.</a:t>
-            </a:r>
-          </a:p>
-        </p:txBody>
-      </p:sp>
-      <p:pic>
-        <p:nvPicPr>
-          <p:cNvPr id="4" name="Picture 3" descr="image.jpg"/>
-          <p:cNvPicPr>
-            <a:picLocks noChangeAspect="1"/>
-          </p:cNvPicPr>
-          <p:nvPr/>
-        </p:nvPicPr>
-        <p:blipFill>
-          <a:blip r:embed="rId2"/>
-          <a:stretch>
-            <a:fillRect/>
-          </a:stretch>
-        </p:blipFill>
-        <p:spPr>
-          <a:xfrm>
-            <a:off x="6583680" y="1097280"/>
-            <a:ext cx="5303520" cy="5303520"/>
-          </a:xfrm>
-          <a:prstGeom prst="rect">
-            <a:avLst/>
-          </a:prstGeom>
-        </p:spPr>
-      </p:pic>
+              <a:t>Large language models can also be computationally expensive to train and deploy, which can make them difficult to use in certain situations.</a:t>
+            </a:r>
+          </a:p>
+        </p:txBody>
+      </p:sp>
     </p:spTree>
   </p:cSld>
   <p:clrMapOvr>
@@ -2244,7 +2220,7 @@
               <a:defRPr sz="3200" b="1"/>
             </a:pPr>
             <a:r>
-              <a:t>Comparison</a:t>
+              <a:t>Future of Large Language Models</a:t>
             </a:r>
           </a:p>
         </p:txBody>
@@ -2278,7 +2254,7 @@
               <a:defRPr sz="2000"/>
             </a:pPr>
             <a:r>
-              <a:t>The Lot Language Model can be compared to other language models, such as BERT and RoBERTa, which also use transformer architectures and masked language modeling objectives.</a:t>
+              <a:t>The future of large language models is likely to involve continued advancements in their ability to understand and generate human-like language.</a:t>
             </a:r>
           </a:p>
           <a:p>
@@ -2289,7 +2265,7 @@
               <a:defRPr sz="2000"/>
             </a:pPr>
             <a:r>
-              <a:t>However, the Lot Language Model has several key differences, including its use of a different architecture and training objective.</a:t>
+              <a:t>These models are likely to be used in a wide range of applications, including language translation, text summarization, and chatbots.</a:t>
             </a:r>
           </a:p>
           <a:p>
@@ -2300,14 +2276,14 @@
               <a:defRPr sz="2000"/>
             </a:pPr>
             <a:r>
-              <a:t>The model's performance can also be compared to other models on specific tasks and domains, allowing for a more detailed evaluation of its strengths and weaknesses.</a:t>
+              <a:t>Large language models may also be used to analyze and understand language patterns, which can be useful for tasks such as sentiment analysis and topic modeling.</a:t>
             </a:r>
           </a:p>
         </p:txBody>
       </p:sp>
       <p:pic>
         <p:nvPicPr>
-          <p:cNvPr id="4" name="Picture 3" descr="image.jpg"/>
+          <p:cNvPr id="4" name="Picture 3" descr="image.png"/>
           <p:cNvPicPr>
             <a:picLocks noChangeAspect="1"/>
           </p:cNvPicPr>
@@ -2373,7 +2349,7 @@
               <a:defRPr sz="3200" b="1"/>
             </a:pPr>
             <a:r>
-              <a:t>Future Work</a:t>
+              <a:t>Limitations of Large Language Models</a:t>
             </a:r>
           </a:p>
         </p:txBody>
@@ -2407,7 +2383,7 @@
               <a:defRPr sz="2000"/>
             </a:pPr>
             <a:r>
-              <a:t>Future work on the Lot Language Model could involve exploring new architectures and training objectives, such as using reinforcement learning or multi-task learning.</a:t>
+              <a:t>One of the main limitations of large language models is their need for large amounts of training data, which can be difficult to obtain and process.</a:t>
             </a:r>
           </a:p>
           <a:p>
@@ -2418,7 +2394,7 @@
               <a:defRPr sz="2000"/>
             </a:pPr>
             <a:r>
-              <a:t>The model could also be fine-tuned for specific tasks and domains, allowing it to adapt to different use cases and applications.</a:t>
+              <a:t>These models can also be prone to bias and errors, particularly if they are trained on biased or incomplete data.</a:t>
             </a:r>
           </a:p>
           <a:p>
@@ -2429,14 +2405,14 @@
               <a:defRPr sz="2000"/>
             </a:pPr>
             <a:r>
-              <a:t>The model's performance could also be evaluated on a wider range of tasks and domains, allowing for a more comprehensive understanding of its strengths and weaknesses.</a:t>
+              <a:t>Large language models can also be computationally expensive to train and deploy, which can make them difficult to use in certain situations.</a:t>
             </a:r>
           </a:p>
         </p:txBody>
       </p:sp>
       <p:pic>
         <p:nvPicPr>
-          <p:cNvPr id="4" name="Picture 3" descr="image.jpg"/>
+          <p:cNvPr id="4" name="Picture 3" descr="image.png"/>
           <p:cNvPicPr>
             <a:picLocks noChangeAspect="1"/>
           </p:cNvPicPr>
